--- a/2018/2018-02-Coursera-Poster/center-tsugi.pptx
+++ b/2018/2018-02-Coursera-Poster/center-tsugi.pptx
@@ -5,11 +5,10 @@
     <p:sldMasterId id="2147483648" r:id="rId1"/>
   </p:sldMasterIdLst>
   <p:notesMasterIdLst>
-    <p:notesMasterId r:id="rId4"/>
+    <p:notesMasterId r:id="rId3"/>
   </p:notesMasterIdLst>
   <p:sldIdLst>
-    <p:sldId id="257" r:id="rId2"/>
-    <p:sldId id="259" r:id="rId3"/>
+    <p:sldId id="259" r:id="rId2"/>
   </p:sldIdLst>
   <p:sldSz cx="12192000" cy="6858000"/>
   <p:notesSz cx="6858000" cy="9144000"/>
@@ -108,6 +107,11 @@
       </a:defRPr>
     </a:lvl9pPr>
   </p:defaultTextStyle>
+  <p:extLst>
+    <p:ext uri="{EFAFB233-063F-42B5-8137-9DF3F51BA10A}">
+      <p15:sldGuideLst xmlns:p15="http://schemas.microsoft.com/office/powerpoint/2012/main"/>
+    </p:ext>
+  </p:extLst>
 </p:presentation>
 </file>
 
@@ -193,7 +197,7 @@
           <a:p>
             <a:fld id="{7AFE9511-F561-884C-84A4-050C0954273C}" type="datetimeFigureOut">
               <a:rPr lang="en-US" smtClean="0"/>
-              <a:t>3/5/18</a:t>
+              <a:t>3/7/18</a:t>
             </a:fld>
             <a:endParaRPr lang="en-US"/>
           </a:p>
@@ -592,7 +596,7 @@
           <a:p>
             <a:fld id="{25C66D29-24BC-9744-B304-2E181448D606}" type="datetimeFigureOut">
               <a:rPr lang="en-US" smtClean="0"/>
-              <a:t>3/5/18</a:t>
+              <a:t>3/7/18</a:t>
             </a:fld>
             <a:endParaRPr lang="en-US"/>
           </a:p>
@@ -762,7 +766,7 @@
           <a:p>
             <a:fld id="{25C66D29-24BC-9744-B304-2E181448D606}" type="datetimeFigureOut">
               <a:rPr lang="en-US" smtClean="0"/>
-              <a:t>3/5/18</a:t>
+              <a:t>3/7/18</a:t>
             </a:fld>
             <a:endParaRPr lang="en-US"/>
           </a:p>
@@ -942,7 +946,7 @@
           <a:p>
             <a:fld id="{25C66D29-24BC-9744-B304-2E181448D606}" type="datetimeFigureOut">
               <a:rPr lang="en-US" smtClean="0"/>
-              <a:t>3/5/18</a:t>
+              <a:t>3/7/18</a:t>
             </a:fld>
             <a:endParaRPr lang="en-US"/>
           </a:p>
@@ -1112,7 +1116,7 @@
           <a:p>
             <a:fld id="{25C66D29-24BC-9744-B304-2E181448D606}" type="datetimeFigureOut">
               <a:rPr lang="en-US" smtClean="0"/>
-              <a:t>3/5/18</a:t>
+              <a:t>3/7/18</a:t>
             </a:fld>
             <a:endParaRPr lang="en-US"/>
           </a:p>
@@ -1358,7 +1362,7 @@
           <a:p>
             <a:fld id="{25C66D29-24BC-9744-B304-2E181448D606}" type="datetimeFigureOut">
               <a:rPr lang="en-US" smtClean="0"/>
-              <a:t>3/5/18</a:t>
+              <a:t>3/7/18</a:t>
             </a:fld>
             <a:endParaRPr lang="en-US"/>
           </a:p>
@@ -1590,7 +1594,7 @@
           <a:p>
             <a:fld id="{25C66D29-24BC-9744-B304-2E181448D606}" type="datetimeFigureOut">
               <a:rPr lang="en-US" smtClean="0"/>
-              <a:t>3/5/18</a:t>
+              <a:t>3/7/18</a:t>
             </a:fld>
             <a:endParaRPr lang="en-US"/>
           </a:p>
@@ -1957,7 +1961,7 @@
           <a:p>
             <a:fld id="{25C66D29-24BC-9744-B304-2E181448D606}" type="datetimeFigureOut">
               <a:rPr lang="en-US" smtClean="0"/>
-              <a:t>3/5/18</a:t>
+              <a:t>3/7/18</a:t>
             </a:fld>
             <a:endParaRPr lang="en-US"/>
           </a:p>
@@ -2075,7 +2079,7 @@
           <a:p>
             <a:fld id="{25C66D29-24BC-9744-B304-2E181448D606}" type="datetimeFigureOut">
               <a:rPr lang="en-US" smtClean="0"/>
-              <a:t>3/5/18</a:t>
+              <a:t>3/7/18</a:t>
             </a:fld>
             <a:endParaRPr lang="en-US"/>
           </a:p>
@@ -2170,7 +2174,7 @@
           <a:p>
             <a:fld id="{25C66D29-24BC-9744-B304-2E181448D606}" type="datetimeFigureOut">
               <a:rPr lang="en-US" smtClean="0"/>
-              <a:t>3/5/18</a:t>
+              <a:t>3/7/18</a:t>
             </a:fld>
             <a:endParaRPr lang="en-US"/>
           </a:p>
@@ -2447,7 +2451,7 @@
           <a:p>
             <a:fld id="{25C66D29-24BC-9744-B304-2E181448D606}" type="datetimeFigureOut">
               <a:rPr lang="en-US" smtClean="0"/>
-              <a:t>3/5/18</a:t>
+              <a:t>3/7/18</a:t>
             </a:fld>
             <a:endParaRPr lang="en-US"/>
           </a:p>
@@ -2700,7 +2704,7 @@
           <a:p>
             <a:fld id="{25C66D29-24BC-9744-B304-2E181448D606}" type="datetimeFigureOut">
               <a:rPr lang="en-US" smtClean="0"/>
-              <a:t>3/5/18</a:t>
+              <a:t>3/7/18</a:t>
             </a:fld>
             <a:endParaRPr lang="en-US"/>
           </a:p>
@@ -2913,7 +2917,7 @@
           <a:p>
             <a:fld id="{25C66D29-24BC-9744-B304-2E181448D606}" type="datetimeFigureOut">
               <a:rPr lang="en-US" smtClean="0"/>
-              <a:t>3/5/18</a:t>
+              <a:t>3/7/18</a:t>
             </a:fld>
             <a:endParaRPr lang="en-US"/>
           </a:p>
@@ -3318,860 +3322,18 @@
           <a:chExt cx="0" cy="0"/>
         </a:xfrm>
       </p:grpSpPr>
-      <p:sp>
-        <p:nvSpPr>
-          <p:cNvPr id="20" name="Oval 19"/>
-          <p:cNvSpPr/>
-          <p:nvPr/>
-        </p:nvSpPr>
-        <p:spPr>
-          <a:xfrm>
-            <a:off x="6104049" y="3216252"/>
-            <a:ext cx="187103" cy="186186"/>
-          </a:xfrm>
-          <a:prstGeom prst="ellipse">
-            <a:avLst/>
-          </a:prstGeom>
-          <a:solidFill>
-            <a:schemeClr val="bg1"/>
-          </a:solidFill>
-        </p:spPr>
-        <p:style>
-          <a:lnRef idx="2">
-            <a:schemeClr val="accent1">
-              <a:shade val="50000"/>
-            </a:schemeClr>
-          </a:lnRef>
-          <a:fillRef idx="1">
-            <a:schemeClr val="accent1"/>
-          </a:fillRef>
-          <a:effectRef idx="0">
-            <a:schemeClr val="accent1"/>
-          </a:effectRef>
-          <a:fontRef idx="minor">
-            <a:schemeClr val="lt1"/>
-          </a:fontRef>
-        </p:style>
-        <p:txBody>
-          <a:bodyPr rtlCol="0" anchor="ctr"/>
-          <a:lstStyle/>
-          <a:p>
-            <a:pPr algn="ctr"/>
-            <a:endParaRPr lang="en-US"/>
-          </a:p>
-        </p:txBody>
-      </p:sp>
-      <p:cxnSp>
-        <p:nvCxnSpPr>
-          <p:cNvPr id="22" name="Straight Connector 21"/>
-          <p:cNvCxnSpPr>
-            <a:stCxn id="20" idx="4"/>
-            <a:endCxn id="18" idx="0"/>
-          </p:cNvCxnSpPr>
-          <p:nvPr/>
-        </p:nvCxnSpPr>
-        <p:spPr>
-          <a:xfrm flipH="1">
-            <a:off x="6093138" y="3402438"/>
-            <a:ext cx="104463" cy="2382729"/>
-          </a:xfrm>
-          <a:prstGeom prst="line">
-            <a:avLst/>
-          </a:prstGeom>
-          <a:ln w="57150">
-            <a:headEnd type="none" w="med" len="med"/>
-            <a:tailEnd type="triangle" w="med" len="med"/>
-          </a:ln>
-        </p:spPr>
-        <p:style>
-          <a:lnRef idx="1">
-            <a:schemeClr val="accent1"/>
-          </a:lnRef>
-          <a:fillRef idx="0">
-            <a:schemeClr val="accent1"/>
-          </a:fillRef>
-          <a:effectRef idx="0">
-            <a:schemeClr val="accent1"/>
-          </a:effectRef>
-          <a:fontRef idx="minor">
-            <a:schemeClr val="tx1"/>
-          </a:fontRef>
-        </p:style>
-      </p:cxnSp>
-      <p:cxnSp>
-        <p:nvCxnSpPr>
-          <p:cNvPr id="25" name="Straight Connector 24"/>
-          <p:cNvCxnSpPr>
-            <a:stCxn id="20" idx="3"/>
-          </p:cNvCxnSpPr>
-          <p:nvPr/>
-        </p:nvCxnSpPr>
-        <p:spPr>
-          <a:xfrm flipH="1">
-            <a:off x="3783344" y="3375172"/>
-            <a:ext cx="2348106" cy="926930"/>
-          </a:xfrm>
-          <a:prstGeom prst="line">
-            <a:avLst/>
-          </a:prstGeom>
-          <a:ln w="57150">
-            <a:solidFill>
-              <a:schemeClr val="accent1"/>
-            </a:solidFill>
-            <a:headEnd type="none" w="med" len="med"/>
-            <a:tailEnd type="triangle" w="med" len="med"/>
-          </a:ln>
-        </p:spPr>
-        <p:style>
-          <a:lnRef idx="1">
-            <a:schemeClr val="accent1"/>
-          </a:lnRef>
-          <a:fillRef idx="0">
-            <a:schemeClr val="accent1"/>
-          </a:fillRef>
-          <a:effectRef idx="0">
-            <a:schemeClr val="accent1"/>
-          </a:effectRef>
-          <a:fontRef idx="minor">
-            <a:schemeClr val="tx1"/>
-          </a:fontRef>
-        </p:style>
-      </p:cxnSp>
-      <p:cxnSp>
-        <p:nvCxnSpPr>
-          <p:cNvPr id="31" name="Straight Connector 30"/>
-          <p:cNvCxnSpPr>
-            <a:stCxn id="20" idx="2"/>
-            <a:endCxn id="16" idx="3"/>
-          </p:cNvCxnSpPr>
-          <p:nvPr/>
-        </p:nvCxnSpPr>
-        <p:spPr>
-          <a:xfrm flipH="1" flipV="1">
-            <a:off x="3126177" y="3018747"/>
-            <a:ext cx="2977872" cy="290598"/>
-          </a:xfrm>
-          <a:prstGeom prst="line">
-            <a:avLst/>
-          </a:prstGeom>
-          <a:ln w="57150">
-            <a:headEnd type="none" w="med" len="med"/>
-            <a:tailEnd type="triangle" w="med" len="med"/>
-          </a:ln>
-        </p:spPr>
-        <p:style>
-          <a:lnRef idx="1">
-            <a:schemeClr val="accent1"/>
-          </a:lnRef>
-          <a:fillRef idx="0">
-            <a:schemeClr val="accent1"/>
-          </a:fillRef>
-          <a:effectRef idx="0">
-            <a:schemeClr val="accent1"/>
-          </a:effectRef>
-          <a:fontRef idx="minor">
-            <a:schemeClr val="tx1"/>
-          </a:fontRef>
-        </p:style>
-      </p:cxnSp>
-      <p:cxnSp>
-        <p:nvCxnSpPr>
-          <p:cNvPr id="34" name="Straight Connector 33"/>
-          <p:cNvCxnSpPr>
-            <a:stCxn id="20" idx="1"/>
-          </p:cNvCxnSpPr>
-          <p:nvPr/>
-        </p:nvCxnSpPr>
-        <p:spPr>
-          <a:xfrm flipH="1" flipV="1">
-            <a:off x="4106046" y="1857514"/>
-            <a:ext cx="2025404" cy="1386004"/>
-          </a:xfrm>
-          <a:prstGeom prst="line">
-            <a:avLst/>
-          </a:prstGeom>
-          <a:ln w="57150">
-            <a:headEnd type="none" w="med" len="med"/>
-            <a:tailEnd type="triangle" w="med" len="med"/>
-          </a:ln>
-        </p:spPr>
-        <p:style>
-          <a:lnRef idx="1">
-            <a:schemeClr val="accent1"/>
-          </a:lnRef>
-          <a:fillRef idx="0">
-            <a:schemeClr val="accent1"/>
-          </a:fillRef>
-          <a:effectRef idx="0">
-            <a:schemeClr val="accent1"/>
-          </a:effectRef>
-          <a:fontRef idx="minor">
-            <a:schemeClr val="tx1"/>
-          </a:fontRef>
-        </p:style>
-      </p:cxnSp>
-      <p:cxnSp>
-        <p:nvCxnSpPr>
-          <p:cNvPr id="37" name="Straight Connector 36"/>
-          <p:cNvCxnSpPr>
-            <a:stCxn id="20" idx="0"/>
-            <a:endCxn id="14" idx="2"/>
-          </p:cNvCxnSpPr>
-          <p:nvPr/>
-        </p:nvCxnSpPr>
-        <p:spPr>
-          <a:xfrm flipV="1">
-            <a:off x="6197601" y="978991"/>
-            <a:ext cx="584555" cy="2237261"/>
-          </a:xfrm>
-          <a:prstGeom prst="line">
-            <a:avLst/>
-          </a:prstGeom>
-          <a:ln w="57150">
-            <a:headEnd type="none" w="med" len="med"/>
-            <a:tailEnd type="triangle" w="med" len="med"/>
-          </a:ln>
-        </p:spPr>
-        <p:style>
-          <a:lnRef idx="1">
-            <a:schemeClr val="accent1"/>
-          </a:lnRef>
-          <a:fillRef idx="0">
-            <a:schemeClr val="accent1"/>
-          </a:fillRef>
-          <a:effectRef idx="0">
-            <a:schemeClr val="accent1"/>
-          </a:effectRef>
-          <a:fontRef idx="minor">
-            <a:schemeClr val="tx1"/>
-          </a:fontRef>
-        </p:style>
-      </p:cxnSp>
-      <p:cxnSp>
-        <p:nvCxnSpPr>
-          <p:cNvPr id="40" name="Straight Connector 39"/>
-          <p:cNvCxnSpPr>
-            <a:stCxn id="20" idx="6"/>
-          </p:cNvCxnSpPr>
-          <p:nvPr/>
-        </p:nvCxnSpPr>
-        <p:spPr>
-          <a:xfrm flipV="1">
-            <a:off x="6291152" y="1721573"/>
-            <a:ext cx="2903648" cy="1587772"/>
-          </a:xfrm>
-          <a:prstGeom prst="line">
-            <a:avLst/>
-          </a:prstGeom>
-          <a:ln w="57150">
-            <a:headEnd type="none" w="med" len="med"/>
-            <a:tailEnd type="triangle" w="med" len="med"/>
-          </a:ln>
-        </p:spPr>
-        <p:style>
-          <a:lnRef idx="1">
-            <a:schemeClr val="accent1"/>
-          </a:lnRef>
-          <a:fillRef idx="0">
-            <a:schemeClr val="accent1"/>
-          </a:fillRef>
-          <a:effectRef idx="0">
-            <a:schemeClr val="accent1"/>
-          </a:effectRef>
-          <a:fontRef idx="minor">
-            <a:schemeClr val="tx1"/>
-          </a:fontRef>
-        </p:style>
-      </p:cxnSp>
-      <p:cxnSp>
-        <p:nvCxnSpPr>
-          <p:cNvPr id="43" name="Straight Connector 42"/>
-          <p:cNvCxnSpPr>
-            <a:endCxn id="17" idx="1"/>
-          </p:cNvCxnSpPr>
-          <p:nvPr/>
-        </p:nvCxnSpPr>
-        <p:spPr>
-          <a:xfrm>
-            <a:off x="6478255" y="3349997"/>
-            <a:ext cx="3155109" cy="62143"/>
-          </a:xfrm>
-          <a:prstGeom prst="line">
-            <a:avLst/>
-          </a:prstGeom>
-          <a:ln w="57150">
-            <a:headEnd type="none" w="med" len="med"/>
-            <a:tailEnd type="triangle" w="med" len="med"/>
-          </a:ln>
-        </p:spPr>
-        <p:style>
-          <a:lnRef idx="1">
-            <a:schemeClr val="accent1"/>
-          </a:lnRef>
-          <a:fillRef idx="0">
-            <a:schemeClr val="accent1"/>
-          </a:fillRef>
-          <a:effectRef idx="0">
-            <a:schemeClr val="accent1"/>
-          </a:effectRef>
-          <a:fontRef idx="minor">
-            <a:schemeClr val="tx1"/>
-          </a:fontRef>
-        </p:style>
-      </p:cxnSp>
-      <p:cxnSp>
-        <p:nvCxnSpPr>
-          <p:cNvPr id="46" name="Straight Connector 45"/>
-          <p:cNvCxnSpPr>
-            <a:endCxn id="19" idx="1"/>
-          </p:cNvCxnSpPr>
-          <p:nvPr/>
-        </p:nvCxnSpPr>
-        <p:spPr>
-          <a:xfrm>
-            <a:off x="6367096" y="3453237"/>
-            <a:ext cx="2304786" cy="1530154"/>
-          </a:xfrm>
-          <a:prstGeom prst="line">
-            <a:avLst/>
-          </a:prstGeom>
-          <a:ln w="57150">
-            <a:headEnd type="none" w="med" len="med"/>
-            <a:tailEnd type="triangle" w="med" len="med"/>
-          </a:ln>
-        </p:spPr>
-        <p:style>
-          <a:lnRef idx="1">
-            <a:schemeClr val="accent1"/>
-          </a:lnRef>
-          <a:fillRef idx="0">
-            <a:schemeClr val="accent1"/>
-          </a:fillRef>
-          <a:effectRef idx="0">
-            <a:schemeClr val="accent1"/>
-          </a:effectRef>
-          <a:fontRef idx="minor">
-            <a:schemeClr val="tx1"/>
-          </a:fontRef>
-        </p:style>
-      </p:cxnSp>
-      <p:pic>
-        <p:nvPicPr>
-          <p:cNvPr id="12" name="Picture 11"/>
-          <p:cNvPicPr>
-            <a:picLocks noChangeAspect="1"/>
-          </p:cNvPicPr>
-          <p:nvPr/>
-        </p:nvPicPr>
-        <p:blipFill>
-          <a:blip r:embed="rId2">
-            <a:extLst>
-              <a:ext uri="{28A0092B-C50C-407E-A947-70E740481C1C}">
-                <a14:useLocalDpi xmlns:a14="http://schemas.microsoft.com/office/drawing/2010/main" val="0"/>
-              </a:ext>
-            </a:extLst>
-          </a:blip>
-          <a:stretch>
-            <a:fillRect/>
-          </a:stretch>
-        </p:blipFill>
-        <p:spPr>
-          <a:xfrm>
-            <a:off x="1333500" y="1200238"/>
-            <a:ext cx="2889448" cy="759925"/>
-          </a:xfrm>
-          <a:prstGeom prst="rect">
-            <a:avLst/>
-          </a:prstGeom>
-        </p:spPr>
-      </p:pic>
-      <p:pic>
-        <p:nvPicPr>
-          <p:cNvPr id="14" name="Picture 13"/>
-          <p:cNvPicPr>
-            <a:picLocks noChangeAspect="1"/>
-          </p:cNvPicPr>
-          <p:nvPr/>
-        </p:nvPicPr>
-        <p:blipFill>
-          <a:blip r:embed="rId3">
-            <a:extLst>
-              <a:ext uri="{28A0092B-C50C-407E-A947-70E740481C1C}">
-                <a14:useLocalDpi xmlns:a14="http://schemas.microsoft.com/office/drawing/2010/main" val="0"/>
-              </a:ext>
-            </a:extLst>
-          </a:blip>
-          <a:stretch>
-            <a:fillRect/>
-          </a:stretch>
-        </p:blipFill>
-        <p:spPr>
-          <a:xfrm>
-            <a:off x="5196037" y="510001"/>
-            <a:ext cx="3172237" cy="468990"/>
-          </a:xfrm>
-          <a:prstGeom prst="rect">
-            <a:avLst/>
-          </a:prstGeom>
-        </p:spPr>
-      </p:pic>
-      <p:pic>
-        <p:nvPicPr>
-          <p:cNvPr id="15" name="Picture 14"/>
-          <p:cNvPicPr>
-            <a:picLocks noChangeAspect="1"/>
-          </p:cNvPicPr>
-          <p:nvPr/>
-        </p:nvPicPr>
-        <p:blipFill>
-          <a:blip r:embed="rId4">
-            <a:extLst>
-              <a:ext uri="{28A0092B-C50C-407E-A947-70E740481C1C}">
-                <a14:useLocalDpi xmlns:a14="http://schemas.microsoft.com/office/drawing/2010/main" val="0"/>
-              </a:ext>
-            </a:extLst>
-          </a:blip>
-          <a:stretch>
-            <a:fillRect/>
-          </a:stretch>
-        </p:blipFill>
-        <p:spPr>
-          <a:xfrm>
-            <a:off x="9281645" y="1055143"/>
-            <a:ext cx="1146271" cy="542568"/>
-          </a:xfrm>
-          <a:prstGeom prst="rect">
-            <a:avLst/>
-          </a:prstGeom>
-        </p:spPr>
-      </p:pic>
-      <p:pic>
-        <p:nvPicPr>
-          <p:cNvPr id="16" name="Picture 15"/>
-          <p:cNvPicPr>
-            <a:picLocks noChangeAspect="1"/>
-          </p:cNvPicPr>
-          <p:nvPr/>
-        </p:nvPicPr>
-        <p:blipFill>
-          <a:blip r:embed="rId5">
-            <a:extLst>
-              <a:ext uri="{28A0092B-C50C-407E-A947-70E740481C1C}">
-                <a14:useLocalDpi xmlns:a14="http://schemas.microsoft.com/office/drawing/2010/main" val="0"/>
-              </a:ext>
-            </a:extLst>
-          </a:blip>
-          <a:stretch>
-            <a:fillRect/>
-          </a:stretch>
-        </p:blipFill>
-        <p:spPr>
-          <a:xfrm>
-            <a:off x="655661" y="2703617"/>
-            <a:ext cx="2470516" cy="630259"/>
-          </a:xfrm>
-          <a:prstGeom prst="rect">
-            <a:avLst/>
-          </a:prstGeom>
-        </p:spPr>
-      </p:pic>
-      <p:pic>
-        <p:nvPicPr>
-          <p:cNvPr id="17" name="Picture 16"/>
-          <p:cNvPicPr>
-            <a:picLocks noChangeAspect="1"/>
-          </p:cNvPicPr>
-          <p:nvPr/>
-        </p:nvPicPr>
-        <p:blipFill>
-          <a:blip r:embed="rId6">
-            <a:extLst>
-              <a:ext uri="{28A0092B-C50C-407E-A947-70E740481C1C}">
-                <a14:useLocalDpi xmlns:a14="http://schemas.microsoft.com/office/drawing/2010/main" val="0"/>
-              </a:ext>
-            </a:extLst>
-          </a:blip>
-          <a:stretch>
-            <a:fillRect/>
-          </a:stretch>
-        </p:blipFill>
-        <p:spPr>
-          <a:xfrm>
-            <a:off x="9633364" y="2716313"/>
-            <a:ext cx="1508531" cy="1391653"/>
-          </a:xfrm>
-          <a:prstGeom prst="rect">
-            <a:avLst/>
-          </a:prstGeom>
-        </p:spPr>
-      </p:pic>
-      <p:pic>
-        <p:nvPicPr>
-          <p:cNvPr id="18" name="Picture 17"/>
-          <p:cNvPicPr>
-            <a:picLocks noChangeAspect="1"/>
-          </p:cNvPicPr>
-          <p:nvPr/>
-        </p:nvPicPr>
-        <p:blipFill>
-          <a:blip r:embed="rId7">
-            <a:extLst>
-              <a:ext uri="{28A0092B-C50C-407E-A947-70E740481C1C}">
-                <a14:useLocalDpi xmlns:a14="http://schemas.microsoft.com/office/drawing/2010/main" val="0"/>
-              </a:ext>
-            </a:extLst>
-          </a:blip>
-          <a:stretch>
-            <a:fillRect/>
-          </a:stretch>
-        </p:blipFill>
-        <p:spPr>
-          <a:xfrm>
-            <a:off x="4942949" y="5785167"/>
-            <a:ext cx="2300377" cy="608735"/>
-          </a:xfrm>
-          <a:prstGeom prst="rect">
-            <a:avLst/>
-          </a:prstGeom>
-        </p:spPr>
-      </p:pic>
-      <p:pic>
-        <p:nvPicPr>
-          <p:cNvPr id="19" name="Picture 18"/>
-          <p:cNvPicPr>
-            <a:picLocks noChangeAspect="1"/>
-          </p:cNvPicPr>
-          <p:nvPr/>
-        </p:nvPicPr>
-        <p:blipFill>
-          <a:blip r:embed="rId8">
-            <a:extLst>
-              <a:ext uri="{28A0092B-C50C-407E-A947-70E740481C1C}">
-                <a14:useLocalDpi xmlns:a14="http://schemas.microsoft.com/office/drawing/2010/main" val="0"/>
-              </a:ext>
-            </a:extLst>
-          </a:blip>
-          <a:stretch>
-            <a:fillRect/>
-          </a:stretch>
-        </p:blipFill>
-        <p:spPr>
-          <a:xfrm>
-            <a:off x="8671882" y="4724679"/>
-            <a:ext cx="2516818" cy="517424"/>
-          </a:xfrm>
-          <a:prstGeom prst="rect">
-            <a:avLst/>
-          </a:prstGeom>
-        </p:spPr>
-      </p:pic>
-      <p:sp>
-        <p:nvSpPr>
-          <p:cNvPr id="5" name="Oval 4"/>
-          <p:cNvSpPr/>
-          <p:nvPr/>
-        </p:nvSpPr>
-        <p:spPr>
-          <a:xfrm>
-            <a:off x="4699001" y="1818092"/>
-            <a:ext cx="2997199" cy="2982507"/>
-          </a:xfrm>
-          <a:prstGeom prst="ellipse">
-            <a:avLst/>
-          </a:prstGeom>
-        </p:spPr>
-        <p:style>
-          <a:lnRef idx="2">
-            <a:schemeClr val="accent1">
-              <a:shade val="50000"/>
-            </a:schemeClr>
-          </a:lnRef>
-          <a:fillRef idx="1">
-            <a:schemeClr val="accent1"/>
-          </a:fillRef>
-          <a:effectRef idx="0">
-            <a:schemeClr val="accent1"/>
-          </a:effectRef>
-          <a:fontRef idx="minor">
-            <a:schemeClr val="lt1"/>
-          </a:fontRef>
-        </p:style>
-        <p:txBody>
-          <a:bodyPr rtlCol="0" anchor="ctr"/>
-          <a:lstStyle/>
-          <a:p>
-            <a:pPr algn="ctr"/>
-            <a:endParaRPr lang="en-US"/>
-          </a:p>
-        </p:txBody>
-      </p:sp>
-      <p:sp>
-        <p:nvSpPr>
-          <p:cNvPr id="4" name="Rectangle 3"/>
-          <p:cNvSpPr/>
-          <p:nvPr/>
-        </p:nvSpPr>
-        <p:spPr>
-          <a:xfrm rot="4655082">
-            <a:off x="4940534" y="2113065"/>
-            <a:ext cx="2514133" cy="2392561"/>
-          </a:xfrm>
-          <a:prstGeom prst="rect">
-            <a:avLst/>
-          </a:prstGeom>
-          <a:noFill/>
-        </p:spPr>
-        <p:txBody>
-          <a:bodyPr wrap="none" lIns="91440" tIns="45720" rIns="91440" bIns="45720">
-            <a:prstTxWarp prst="textCircle">
-              <a:avLst/>
-            </a:prstTxWarp>
-            <a:spAutoFit/>
-          </a:bodyPr>
-          <a:lstStyle/>
-          <a:p>
-            <a:pPr algn="ctr"/>
-            <a:r>
-              <a:rPr lang="en-US" sz="5400" b="1" cap="none" spc="0" dirty="0" smtClean="0">
-                <a:ln w="0"/>
-                <a:solidFill>
-                  <a:schemeClr val="bg1"/>
-                </a:solidFill>
-                <a:effectLst>
-                  <a:outerShdw blurRad="38100" dist="25400" dir="5400000" algn="ctr" rotWithShape="0">
-                    <a:srgbClr val="6E747A">
-                      <a:alpha val="43000"/>
-                    </a:srgbClr>
-                  </a:outerShdw>
-                </a:effectLst>
-              </a:rPr>
-              <a:t>IMS LTI®           IMS Deep Linking</a:t>
-            </a:r>
-            <a:r>
-              <a:rPr lang="en-US" sz="5400" b="1" cap="none" spc="0" dirty="0" smtClean="0">
-                <a:ln w="0"/>
-                <a:solidFill>
-                  <a:schemeClr val="bg1"/>
-                </a:solidFill>
-                <a:effectLst>
-                  <a:outerShdw blurRad="38100" dist="25400" dir="5400000" algn="ctr" rotWithShape="0">
-                    <a:srgbClr val="6E747A">
-                      <a:alpha val="43000"/>
-                    </a:srgbClr>
-                  </a:outerShdw>
-                </a:effectLst>
-              </a:rPr>
-              <a:t>®</a:t>
-            </a:r>
-            <a:r>
-              <a:rPr lang="en-US" sz="5400" b="1" cap="none" spc="0" dirty="0" smtClean="0">
-                <a:ln w="0"/>
-                <a:solidFill>
-                  <a:schemeClr val="bg1"/>
-                </a:solidFill>
-                <a:effectLst>
-                  <a:outerShdw blurRad="38100" dist="25400" dir="5400000" algn="ctr" rotWithShape="0">
-                    <a:srgbClr val="6E747A">
-                      <a:alpha val="43000"/>
-                    </a:srgbClr>
-                  </a:outerShdw>
-                </a:effectLst>
-              </a:rPr>
-              <a:t>       IMS Common Cartridge</a:t>
-            </a:r>
-            <a:r>
-              <a:rPr lang="en-US" sz="5400" b="1" cap="none" spc="0" dirty="0" smtClean="0">
-                <a:ln w="0"/>
-                <a:solidFill>
-                  <a:schemeClr val="bg1"/>
-                </a:solidFill>
-                <a:effectLst>
-                  <a:outerShdw blurRad="38100" dist="25400" dir="5400000" algn="ctr" rotWithShape="0">
-                    <a:srgbClr val="6E747A">
-                      <a:alpha val="43000"/>
-                    </a:srgbClr>
-                  </a:outerShdw>
-                </a:effectLst>
-              </a:rPr>
-              <a:t>®</a:t>
-            </a:r>
-            <a:r>
-              <a:rPr lang="en-US" sz="5400" b="1" cap="none" spc="0" dirty="0" smtClean="0">
-                <a:ln w="0"/>
-                <a:solidFill>
-                  <a:schemeClr val="bg1"/>
-                </a:solidFill>
-                <a:effectLst>
-                  <a:outerShdw blurRad="38100" dist="25400" dir="5400000" algn="ctr" rotWithShape="0">
-                    <a:srgbClr val="6E747A">
-                      <a:alpha val="43000"/>
-                    </a:srgbClr>
-                  </a:outerShdw>
-                </a:effectLst>
-              </a:rPr>
-              <a:t>             </a:t>
-            </a:r>
-            <a:endParaRPr lang="en-US" sz="5400" b="1" cap="none" spc="0" dirty="0">
-              <a:ln w="0"/>
-              <a:solidFill>
-                <a:schemeClr val="bg1"/>
-              </a:solidFill>
-              <a:effectLst>
-                <a:outerShdw blurRad="38100" dist="25400" dir="5400000" algn="ctr" rotWithShape="0">
-                  <a:srgbClr val="6E747A">
-                    <a:alpha val="43000"/>
-                  </a:srgbClr>
-                </a:outerShdw>
-              </a:effectLst>
-            </a:endParaRPr>
-          </a:p>
-        </p:txBody>
-      </p:sp>
-      <p:sp>
-        <p:nvSpPr>
-          <p:cNvPr id="7" name="Oval 6"/>
-          <p:cNvSpPr/>
-          <p:nvPr/>
-        </p:nvSpPr>
-        <p:spPr>
-          <a:xfrm>
-            <a:off x="5151875" y="2268746"/>
-            <a:ext cx="2091451" cy="2081200"/>
-          </a:xfrm>
-          <a:prstGeom prst="ellipse">
-            <a:avLst/>
-          </a:prstGeom>
-          <a:solidFill>
-            <a:schemeClr val="bg1"/>
-          </a:solidFill>
-        </p:spPr>
-        <p:style>
-          <a:lnRef idx="2">
-            <a:schemeClr val="accent1">
-              <a:shade val="50000"/>
-            </a:schemeClr>
-          </a:lnRef>
-          <a:fillRef idx="1">
-            <a:schemeClr val="accent1"/>
-          </a:fillRef>
-          <a:effectRef idx="0">
-            <a:schemeClr val="accent1"/>
-          </a:effectRef>
-          <a:fontRef idx="minor">
-            <a:schemeClr val="lt1"/>
-          </a:fontRef>
-        </p:style>
-        <p:txBody>
-          <a:bodyPr rtlCol="0" anchor="ctr"/>
-          <a:lstStyle/>
-          <a:p>
-            <a:pPr algn="ctr"/>
-            <a:endParaRPr lang="en-US"/>
-          </a:p>
-        </p:txBody>
-      </p:sp>
-      <p:pic>
-        <p:nvPicPr>
-          <p:cNvPr id="10" name="Picture 9"/>
-          <p:cNvPicPr>
-            <a:picLocks noChangeAspect="1"/>
-          </p:cNvPicPr>
-          <p:nvPr/>
-        </p:nvPicPr>
-        <p:blipFill>
-          <a:blip r:embed="rId9">
-            <a:extLst>
-              <a:ext uri="{28A0092B-C50C-407E-A947-70E740481C1C}">
-                <a14:useLocalDpi xmlns:a14="http://schemas.microsoft.com/office/drawing/2010/main" val="0"/>
-              </a:ext>
-            </a:extLst>
-          </a:blip>
-          <a:stretch>
-            <a:fillRect/>
-          </a:stretch>
-        </p:blipFill>
-        <p:spPr>
-          <a:xfrm>
-            <a:off x="5227682" y="2940172"/>
-            <a:ext cx="1939837" cy="728439"/>
-          </a:xfrm>
-          <a:prstGeom prst="rect">
-            <a:avLst/>
-          </a:prstGeom>
-        </p:spPr>
-      </p:pic>
-      <p:pic>
-        <p:nvPicPr>
-          <p:cNvPr id="62" name="Picture 61"/>
-          <p:cNvPicPr>
-            <a:picLocks noChangeAspect="1"/>
-          </p:cNvPicPr>
-          <p:nvPr/>
-        </p:nvPicPr>
-        <p:blipFill>
-          <a:blip r:embed="rId10">
-            <a:extLst>
-              <a:ext uri="{28A0092B-C50C-407E-A947-70E740481C1C}">
-                <a14:useLocalDpi xmlns:a14="http://schemas.microsoft.com/office/drawing/2010/main" val="0"/>
-              </a:ext>
-            </a:extLst>
-          </a:blip>
-          <a:stretch>
-            <a:fillRect/>
-          </a:stretch>
-        </p:blipFill>
-        <p:spPr>
-          <a:xfrm>
-            <a:off x="912805" y="4349945"/>
-            <a:ext cx="2373491" cy="666693"/>
-          </a:xfrm>
-          <a:prstGeom prst="rect">
-            <a:avLst/>
-          </a:prstGeom>
-        </p:spPr>
-      </p:pic>
-    </p:spTree>
-    <p:extLst>
-      <p:ext uri="{BB962C8B-B14F-4D97-AF65-F5344CB8AC3E}">
-        <p14:creationId xmlns:p14="http://schemas.microsoft.com/office/powerpoint/2010/main" val="50346305"/>
-      </p:ext>
-    </p:extLst>
-  </p:cSld>
-  <p:clrMapOvr>
-    <a:masterClrMapping/>
-  </p:clrMapOvr>
-</p:sld>
-</file>
-
-<file path=ppt/slides/slide2.xml><?xml version="1.0" encoding="utf-8"?>
-<p:sld xmlns:a="http://schemas.openxmlformats.org/drawingml/2006/main" xmlns:r="http://schemas.openxmlformats.org/officeDocument/2006/relationships" xmlns:p="http://schemas.openxmlformats.org/presentationml/2006/main">
-  <p:cSld>
-    <p:spTree>
-      <p:nvGrpSpPr>
-        <p:cNvPr id="1" name=""/>
-        <p:cNvGrpSpPr/>
-        <p:nvPr/>
-      </p:nvGrpSpPr>
-      <p:grpSpPr>
-        <a:xfrm>
-          <a:off x="0" y="0"/>
-          <a:ext cx="0" cy="0"/>
-          <a:chOff x="0" y="0"/>
-          <a:chExt cx="0" cy="0"/>
-        </a:xfrm>
-      </p:grpSpPr>
       <p:grpSp>
         <p:nvGrpSpPr>
-          <p:cNvPr id="2" name="Group 1"/>
+          <p:cNvPr id="6" name="Group 5"/>
           <p:cNvGrpSpPr/>
           <p:nvPr/>
         </p:nvGrpSpPr>
         <p:grpSpPr>
           <a:xfrm>
             <a:off x="655661" y="510001"/>
-            <a:ext cx="10533039" cy="5883901"/>
+            <a:ext cx="10486234" cy="5883901"/>
             <a:chOff x="655661" y="510001"/>
-            <a:chExt cx="10533039" cy="5883901"/>
+            <a:chExt cx="10486234" cy="5883901"/>
           </a:xfrm>
         </p:grpSpPr>
         <p:sp>
@@ -4478,9 +3640,7 @@
         <p:cxnSp>
           <p:nvCxnSpPr>
             <p:cNvPr id="46" name="Straight Connector 45"/>
-            <p:cNvCxnSpPr>
-              <a:endCxn id="19" idx="1"/>
-            </p:cNvCxnSpPr>
+            <p:cNvCxnSpPr/>
             <p:nvPr/>
           </p:nvCxnSpPr>
           <p:spPr>
@@ -4691,36 +3851,6 @@
             </a:prstGeom>
           </p:spPr>
         </p:pic>
-        <p:pic>
-          <p:nvPicPr>
-            <p:cNvPr id="19" name="Picture 18"/>
-            <p:cNvPicPr>
-              <a:picLocks noChangeAspect="1"/>
-            </p:cNvPicPr>
-            <p:nvPr/>
-          </p:nvPicPr>
-          <p:blipFill>
-            <a:blip r:embed="rId8">
-              <a:extLst>
-                <a:ext uri="{28A0092B-C50C-407E-A947-70E740481C1C}">
-                  <a14:useLocalDpi xmlns:a14="http://schemas.microsoft.com/office/drawing/2010/main" val="0"/>
-                </a:ext>
-              </a:extLst>
-            </a:blip>
-            <a:stretch>
-              <a:fillRect/>
-            </a:stretch>
-          </p:blipFill>
-          <p:spPr>
-            <a:xfrm>
-              <a:off x="8671882" y="4724679"/>
-              <a:ext cx="2516818" cy="517424"/>
-            </a:xfrm>
-            <a:prstGeom prst="rect">
-              <a:avLst/>
-            </a:prstGeom>
-          </p:spPr>
-        </p:pic>
         <p:sp>
           <p:nvSpPr>
             <p:cNvPr id="5" name="Oval 4"/>
@@ -4801,71 +3931,7 @@
                     </a:outerShdw>
                   </a:effectLst>
                 </a:rPr>
-                <a:t>IMS LTI®           IMS Deep Linking</a:t>
-              </a:r>
-              <a:r>
-                <a:rPr lang="en-US" sz="5400" b="1" cap="none" spc="0" dirty="0" smtClean="0">
-                  <a:ln w="0"/>
-                  <a:solidFill>
-                    <a:schemeClr val="bg1"/>
-                  </a:solidFill>
-                  <a:effectLst>
-                    <a:outerShdw blurRad="38100" dist="25400" dir="5400000" algn="ctr" rotWithShape="0">
-                      <a:srgbClr val="6E747A">
-                        <a:alpha val="43000"/>
-                      </a:srgbClr>
-                    </a:outerShdw>
-                  </a:effectLst>
-                </a:rPr>
-                <a:t>®</a:t>
-              </a:r>
-              <a:r>
-                <a:rPr lang="en-US" sz="5400" b="1" cap="none" spc="0" dirty="0" smtClean="0">
-                  <a:ln w="0"/>
-                  <a:solidFill>
-                    <a:schemeClr val="bg1"/>
-                  </a:solidFill>
-                  <a:effectLst>
-                    <a:outerShdw blurRad="38100" dist="25400" dir="5400000" algn="ctr" rotWithShape="0">
-                      <a:srgbClr val="6E747A">
-                        <a:alpha val="43000"/>
-                      </a:srgbClr>
-                    </a:outerShdw>
-                  </a:effectLst>
-                </a:rPr>
-                <a:t>       IMS Common Cartridge</a:t>
-              </a:r>
-              <a:r>
-                <a:rPr lang="en-US" sz="5400" b="1" cap="none" spc="0" dirty="0" smtClean="0">
-                  <a:ln w="0"/>
-                  <a:solidFill>
-                    <a:schemeClr val="bg1"/>
-                  </a:solidFill>
-                  <a:effectLst>
-                    <a:outerShdw blurRad="38100" dist="25400" dir="5400000" algn="ctr" rotWithShape="0">
-                      <a:srgbClr val="6E747A">
-                        <a:alpha val="43000"/>
-                      </a:srgbClr>
-                    </a:outerShdw>
-                  </a:effectLst>
-                </a:rPr>
-                <a:t>®</a:t>
-              </a:r>
-              <a:r>
-                <a:rPr lang="en-US" sz="5400" b="1" cap="none" spc="0" dirty="0" smtClean="0">
-                  <a:ln w="0"/>
-                  <a:solidFill>
-                    <a:schemeClr val="bg1"/>
-                  </a:solidFill>
-                  <a:effectLst>
-                    <a:outerShdw blurRad="38100" dist="25400" dir="5400000" algn="ctr" rotWithShape="0">
-                      <a:srgbClr val="6E747A">
-                        <a:alpha val="43000"/>
-                      </a:srgbClr>
-                    </a:outerShdw>
-                  </a:effectLst>
-                </a:rPr>
-                <a:t>             </a:t>
+                <a:t>IMS LTI®           IMS Deep Linking®       IMS Common Cartridge®             </a:t>
               </a:r>
               <a:endParaRPr lang="en-US" sz="5400" b="1" cap="none" spc="0" dirty="0">
                 <a:ln w="0"/>
@@ -4935,7 +4001,7 @@
             <p:nvPr/>
           </p:nvPicPr>
           <p:blipFill>
-            <a:blip r:embed="rId9">
+            <a:blip r:embed="rId8">
               <a:extLst>
                 <a:ext uri="{28A0092B-C50C-407E-A947-70E740481C1C}">
                   <a14:useLocalDpi xmlns:a14="http://schemas.microsoft.com/office/drawing/2010/main" val="0"/>
@@ -4965,7 +4031,7 @@
             <p:nvPr/>
           </p:nvPicPr>
           <p:blipFill>
-            <a:blip r:embed="rId10">
+            <a:blip r:embed="rId9">
               <a:extLst>
                 <a:ext uri="{28A0092B-C50C-407E-A947-70E740481C1C}">
                   <a14:useLocalDpi xmlns:a14="http://schemas.microsoft.com/office/drawing/2010/main" val="0"/>
@@ -4980,6 +4046,36 @@
             <a:xfrm>
               <a:off x="848471" y="4362593"/>
               <a:ext cx="2437825" cy="645905"/>
+            </a:xfrm>
+            <a:prstGeom prst="rect">
+              <a:avLst/>
+            </a:prstGeom>
+          </p:spPr>
+        </p:pic>
+        <p:pic>
+          <p:nvPicPr>
+            <p:cNvPr id="3" name="Picture 2"/>
+            <p:cNvPicPr>
+              <a:picLocks noChangeAspect="1"/>
+            </p:cNvPicPr>
+            <p:nvPr/>
+          </p:nvPicPr>
+          <p:blipFill>
+            <a:blip r:embed="rId10">
+              <a:extLst>
+                <a:ext uri="{28A0092B-C50C-407E-A947-70E740481C1C}">
+                  <a14:useLocalDpi xmlns:a14="http://schemas.microsoft.com/office/drawing/2010/main" val="0"/>
+                </a:ext>
+              </a:extLst>
+            </a:blip>
+            <a:stretch>
+              <a:fillRect/>
+            </a:stretch>
+          </p:blipFill>
+          <p:spPr>
+            <a:xfrm>
+              <a:off x="8786360" y="4779440"/>
+              <a:ext cx="1167109" cy="995715"/>
             </a:xfrm>
             <a:prstGeom prst="rect">
               <a:avLst/>
